--- a/slides/Immutability.pptx
+++ b/slides/Immutability.pptx
@@ -212,7 +212,7 @@
           <a:p>
             <a:fld id="{7DE51450-E2C3-4DE8-97AF-A46971D7C117}" type="datetimeFigureOut">
               <a:rPr lang="en-US" smtClean="0"/>
-              <a:t>7/24/2014</a:t>
+              <a:t>8/1/2014</a:t>
             </a:fld>
             <a:endParaRPr lang="en-US"/>
           </a:p>
@@ -1024,13 +1024,8 @@
             </a:r>
             <a:r>
               <a:rPr lang="en-US" baseline="0" dirty="0" smtClean="0"/>
-              <a:t>.  Adding is just as fast (or faster) than adding to a regular List, and we aren’t creating a bunch of garbage in memory every time.  In fact, this list is very memory efficient because the items are shared.  This kind of collection is also easy to use recursively, which is another aspect of functional programming. </a:t>
-            </a:r>
-            <a:r>
-              <a:rPr lang="en-US" baseline="0" dirty="0" smtClean="0"/>
-              <a:t>(Ask questions about the Big O of adding, removing, getting the count, and looking up the element at a specific location).</a:t>
-            </a:r>
-            <a:endParaRPr lang="en-US" baseline="0" dirty="0" smtClean="0"/>
+              <a:t>.  Adding is just as fast (or faster) than adding to a regular List, and we aren’t creating a bunch of garbage in memory every time.  In fact, this list is very memory efficient because the items are shared.  This kind of collection is also easy to use recursively, which is another aspect of functional programming. (Ask questions about the Big O of adding, removing, getting the count, and looking up the element at a specific location).</a:t>
+            </a:r>
           </a:p>
         </p:txBody>
       </p:sp>
@@ -1212,58 +1207,35 @@
           <a:bodyPr/>
           <a:lstStyle/>
           <a:p>
-            <a:pPr marL="0" marR="0" indent="0" algn="l" defTabSz="914400" rtl="0" eaLnBrk="1" fontAlgn="auto" latinLnBrk="0" hangingPunct="1">
-              <a:lnSpc>
-                <a:spcPct val="100000"/>
-              </a:lnSpc>
-              <a:spcBef>
-                <a:spcPts val="0"/>
-              </a:spcBef>
-              <a:spcAft>
-                <a:spcPts val="0"/>
-              </a:spcAft>
-              <a:buClrTx/>
-              <a:buSzTx/>
-              <a:buFontTx/>
-              <a:buNone/>
-              <a:tabLst/>
-              <a:defRPr/>
-            </a:pPr>
             <a:r>
               <a:rPr lang="en-US" dirty="0" smtClean="0"/>
-              <a:t>This </a:t>
-            </a:r>
-            <a:r>
-              <a:rPr lang="en-US" dirty="0" err="1" smtClean="0"/>
+              <a:t>Because</a:t>
+            </a:r>
+            <a:r>
+              <a:rPr lang="en-US" baseline="0" dirty="0" smtClean="0"/>
+              <a:t> we have to modify the 10 node to attach the 11, we create a new one, which means the 13 node needs to be updated, and the 8 node at the root is updated.  This is called a Spine Rewrite, because one path through the tree is modified while the rest remains unchanged.  </a:t>
+            </a:r>
+          </a:p>
+          <a:p>
+            <a:endParaRPr lang="en-US" baseline="0" dirty="0" smtClean="0"/>
+          </a:p>
+          <a:p>
+            <a:r>
+              <a:rPr lang="en-US" baseline="0" dirty="0" smtClean="0"/>
+              <a:t>Instead of writing a custom immutable collection using a binary tree, I’m going to show you a </a:t>
+            </a:r>
+            <a:r>
+              <a:rPr lang="en-US" baseline="0" dirty="0" err="1" smtClean="0"/>
               <a:t>nuget</a:t>
             </a:r>
             <a:r>
-              <a:rPr lang="en-US" dirty="0" smtClean="0"/>
-              <a:t> package adds the </a:t>
-            </a:r>
-            <a:r>
-              <a:rPr lang="en-US" dirty="0" err="1" smtClean="0"/>
-              <a:t>System.Collections.Immutable</a:t>
-            </a:r>
-            <a:r>
-              <a:rPr lang="en-US" dirty="0" smtClean="0"/>
-              <a:t> namespace to complement the existing </a:t>
-            </a:r>
-            <a:r>
-              <a:rPr lang="en-US" dirty="0" err="1" smtClean="0"/>
-              <a:t>System.Collections.Concurrent</a:t>
-            </a:r>
-            <a:r>
-              <a:rPr lang="en-US" dirty="0" smtClean="0"/>
-              <a:t> data structures.  All of these data structures</a:t>
-            </a:r>
-            <a:r>
               <a:rPr lang="en-US" baseline="0" dirty="0" smtClean="0"/>
-              <a:t> are implemented by using an AVL tree, which is a form of binary tree (basically a rigidly balanced binary tree).  Wikipedia has a detailed explanation of AVL trees if you want to know more.</a:t>
-            </a:r>
-            <a:endParaRPr lang="en-US" dirty="0" smtClean="0"/>
-          </a:p>
-          <a:p>
+              <a:t> package that contains immutable collections that follow this approach. </a:t>
+            </a:r>
+            <a:r>
+              <a:rPr lang="en-US" baseline="0" smtClean="0"/>
+              <a:t>(NEXT SLIDE)</a:t>
+            </a:r>
             <a:endParaRPr lang="en-US" dirty="0"/>
           </a:p>
         </p:txBody>
@@ -1285,7 +1257,7 @@
           <a:p>
             <a:fld id="{C5B19925-0816-496D-8906-6ED6126D8D07}" type="slidenum">
               <a:rPr lang="en-US" smtClean="0"/>
-              <a:t>20</a:t>
+              <a:t>19</a:t>
             </a:fld>
             <a:endParaRPr lang="en-US"/>
           </a:p>
@@ -1294,7 +1266,7 @@
     </p:spTree>
     <p:extLst>
       <p:ext uri="{BB962C8B-B14F-4D97-AF65-F5344CB8AC3E}">
-        <p14:creationId xmlns:p14="http://schemas.microsoft.com/office/powerpoint/2010/main" val="2537076699"/>
+        <p14:creationId xmlns:p14="http://schemas.microsoft.com/office/powerpoint/2010/main" val="404754091"/>
       </p:ext>
     </p:extLst>
   </p:cSld>
@@ -1348,17 +1320,165 @@
           <a:bodyPr/>
           <a:lstStyle/>
           <a:p>
+            <a:pPr marL="0" marR="0" indent="0" algn="l" defTabSz="914400" rtl="0" eaLnBrk="1" fontAlgn="auto" latinLnBrk="0" hangingPunct="1">
+              <a:lnSpc>
+                <a:spcPct val="100000"/>
+              </a:lnSpc>
+              <a:spcBef>
+                <a:spcPts val="0"/>
+              </a:spcBef>
+              <a:spcAft>
+                <a:spcPts val="0"/>
+              </a:spcAft>
+              <a:buClrTx/>
+              <a:buSzTx/>
+              <a:buFontTx/>
+              <a:buNone/>
+              <a:tabLst/>
+              <a:defRPr/>
+            </a:pPr>
             <a:r>
               <a:rPr lang="en-US" dirty="0" smtClean="0"/>
-              <a:t>- Let’s try building a cache with</a:t>
+              <a:t>This </a:t>
+            </a:r>
+            <a:r>
+              <a:rPr lang="en-US" dirty="0" err="1" smtClean="0"/>
+              <a:t>nuget</a:t>
+            </a:r>
+            <a:r>
+              <a:rPr lang="en-US" dirty="0" smtClean="0"/>
+              <a:t> package adds the </a:t>
+            </a:r>
+            <a:r>
+              <a:rPr lang="en-US" dirty="0" err="1" smtClean="0"/>
+              <a:t>System.Collections.Immutable</a:t>
+            </a:r>
+            <a:r>
+              <a:rPr lang="en-US" dirty="0" smtClean="0"/>
+              <a:t> namespace to complement the existing </a:t>
+            </a:r>
+            <a:r>
+              <a:rPr lang="en-US" dirty="0" err="1" smtClean="0"/>
+              <a:t>System.Collections.Concurrent</a:t>
+            </a:r>
+            <a:r>
+              <a:rPr lang="en-US" dirty="0" smtClean="0"/>
+              <a:t> data structures.  All of these data structures</a:t>
             </a:r>
             <a:r>
               <a:rPr lang="en-US" baseline="0" dirty="0" smtClean="0"/>
-              <a:t> an </a:t>
+              <a:t> are implemented by using an AVL tree, which is a form of binary tree (basically a rigidly balanced binary tree).  Wikipedia has a detailed explanation of AVL trees if you want to know more.</a:t>
+            </a:r>
+            <a:endParaRPr lang="en-US" dirty="0" smtClean="0"/>
+          </a:p>
+          <a:p>
+            <a:endParaRPr lang="en-US" dirty="0"/>
+          </a:p>
+        </p:txBody>
+      </p:sp>
+      <p:sp>
+        <p:nvSpPr>
+          <p:cNvPr id="4" name="Slide Number Placeholder 3"/>
+          <p:cNvSpPr>
+            <a:spLocks noGrp="1"/>
+          </p:cNvSpPr>
+          <p:nvPr>
+            <p:ph type="sldNum" sz="quarter" idx="10"/>
+          </p:nvPr>
+        </p:nvSpPr>
+        <p:spPr/>
+        <p:txBody>
+          <a:bodyPr/>
+          <a:lstStyle/>
+          <a:p>
+            <a:fld id="{C5B19925-0816-496D-8906-6ED6126D8D07}" type="slidenum">
+              <a:rPr lang="en-US" smtClean="0"/>
+              <a:t>20</a:t>
+            </a:fld>
+            <a:endParaRPr lang="en-US"/>
+          </a:p>
+        </p:txBody>
+      </p:sp>
+    </p:spTree>
+    <p:extLst>
+      <p:ext uri="{BB962C8B-B14F-4D97-AF65-F5344CB8AC3E}">
+        <p14:creationId xmlns:p14="http://schemas.microsoft.com/office/powerpoint/2010/main" val="2537076699"/>
+      </p:ext>
+    </p:extLst>
+  </p:cSld>
+  <p:clrMapOvr>
+    <a:masterClrMapping/>
+  </p:clrMapOvr>
+</p:notes>
+</file>
+
+<file path=ppt/notesSlides/notesSlide9.xml><?xml version="1.0" encoding="utf-8"?>
+<p:notes xmlns:a="http://schemas.openxmlformats.org/drawingml/2006/main" xmlns:r="http://schemas.openxmlformats.org/officeDocument/2006/relationships" xmlns:p="http://schemas.openxmlformats.org/presentationml/2006/main">
+  <p:cSld>
+    <p:spTree>
+      <p:nvGrpSpPr>
+        <p:cNvPr id="1" name=""/>
+        <p:cNvGrpSpPr/>
+        <p:nvPr/>
+      </p:nvGrpSpPr>
+      <p:grpSpPr>
+        <a:xfrm>
+          <a:off x="0" y="0"/>
+          <a:ext cx="0" cy="0"/>
+          <a:chOff x="0" y="0"/>
+          <a:chExt cx="0" cy="0"/>
+        </a:xfrm>
+      </p:grpSpPr>
+      <p:sp>
+        <p:nvSpPr>
+          <p:cNvPr id="2" name="Slide Image Placeholder 1"/>
+          <p:cNvSpPr>
+            <a:spLocks noGrp="1" noRot="1" noChangeAspect="1"/>
+          </p:cNvSpPr>
+          <p:nvPr>
+            <p:ph type="sldImg"/>
+          </p:nvPr>
+        </p:nvSpPr>
+        <p:spPr/>
+      </p:sp>
+      <p:sp>
+        <p:nvSpPr>
+          <p:cNvPr id="3" name="Notes Placeholder 2"/>
+          <p:cNvSpPr>
+            <a:spLocks noGrp="1"/>
+          </p:cNvSpPr>
+          <p:nvPr>
+            <p:ph type="body" idx="1"/>
+          </p:nvPr>
+        </p:nvSpPr>
+        <p:spPr/>
+        <p:txBody>
+          <a:bodyPr/>
+          <a:lstStyle/>
+          <a:p>
+            <a:r>
+              <a:rPr lang="en-US" dirty="0" smtClean="0"/>
+              <a:t>- Let’s try </a:t>
+            </a:r>
+            <a:r>
+              <a:rPr lang="en-US" dirty="0" smtClean="0"/>
+              <a:t>creating an</a:t>
+            </a:r>
+            <a:r>
+              <a:rPr lang="en-US" baseline="0" dirty="0" smtClean="0"/>
+              <a:t> </a:t>
             </a:r>
             <a:r>
               <a:rPr lang="en-US" baseline="0" dirty="0" err="1" smtClean="0"/>
-              <a:t>ImmutableDictionary</a:t>
+              <a:t>EventAggregator</a:t>
+            </a:r>
+            <a:r>
+              <a:rPr lang="en-US" baseline="0" dirty="0" smtClean="0"/>
+              <a:t> that uses an </a:t>
+            </a:r>
+            <a:r>
+              <a:rPr lang="en-US" baseline="0" dirty="0" err="1" smtClean="0"/>
+              <a:t>ImmutableList</a:t>
             </a:r>
             <a:r>
               <a:rPr lang="en-US" baseline="0" dirty="0" smtClean="0"/>
@@ -1599,7 +1719,7 @@
             <a:fld id="{1D8BD707-D9CF-40AE-B4C6-C98DA3205C09}" type="datetimeFigureOut">
               <a:rPr lang="en-US" smtClean="0"/>
               <a:pPr/>
-              <a:t>7/24/2014</a:t>
+              <a:t>8/1/2014</a:t>
             </a:fld>
             <a:endParaRPr lang="en-US"/>
           </a:p>
@@ -1766,7 +1886,7 @@
             <a:fld id="{1D8BD707-D9CF-40AE-B4C6-C98DA3205C09}" type="datetimeFigureOut">
               <a:rPr lang="en-US" smtClean="0"/>
               <a:pPr/>
-              <a:t>7/24/2014</a:t>
+              <a:t>8/1/2014</a:t>
             </a:fld>
             <a:endParaRPr lang="en-US"/>
           </a:p>
@@ -1943,7 +2063,7 @@
             <a:fld id="{1D8BD707-D9CF-40AE-B4C6-C98DA3205C09}" type="datetimeFigureOut">
               <a:rPr lang="en-US" smtClean="0"/>
               <a:pPr/>
-              <a:t>7/24/2014</a:t>
+              <a:t>8/1/2014</a:t>
             </a:fld>
             <a:endParaRPr lang="en-US"/>
           </a:p>
@@ -2110,7 +2230,7 @@
             <a:fld id="{1D8BD707-D9CF-40AE-B4C6-C98DA3205C09}" type="datetimeFigureOut">
               <a:rPr lang="en-US" smtClean="0"/>
               <a:pPr/>
-              <a:t>7/24/2014</a:t>
+              <a:t>8/1/2014</a:t>
             </a:fld>
             <a:endParaRPr lang="en-US"/>
           </a:p>
@@ -2353,7 +2473,7 @@
             <a:fld id="{1D8BD707-D9CF-40AE-B4C6-C98DA3205C09}" type="datetimeFigureOut">
               <a:rPr lang="en-US" smtClean="0"/>
               <a:pPr/>
-              <a:t>7/24/2014</a:t>
+              <a:t>8/1/2014</a:t>
             </a:fld>
             <a:endParaRPr lang="en-US"/>
           </a:p>
@@ -2638,7 +2758,7 @@
             <a:fld id="{1D8BD707-D9CF-40AE-B4C6-C98DA3205C09}" type="datetimeFigureOut">
               <a:rPr lang="en-US" smtClean="0"/>
               <a:pPr/>
-              <a:t>7/24/2014</a:t>
+              <a:t>8/1/2014</a:t>
             </a:fld>
             <a:endParaRPr lang="en-US"/>
           </a:p>
@@ -3069,7 +3189,7 @@
             <a:fld id="{1D8BD707-D9CF-40AE-B4C6-C98DA3205C09}" type="datetimeFigureOut">
               <a:rPr lang="en-US" smtClean="0"/>
               <a:pPr/>
-              <a:t>7/24/2014</a:t>
+              <a:t>8/1/2014</a:t>
             </a:fld>
             <a:endParaRPr lang="en-US"/>
           </a:p>
@@ -3184,7 +3304,7 @@
             <a:fld id="{1D8BD707-D9CF-40AE-B4C6-C98DA3205C09}" type="datetimeFigureOut">
               <a:rPr lang="en-US" smtClean="0"/>
               <a:pPr/>
-              <a:t>7/24/2014</a:t>
+              <a:t>8/1/2014</a:t>
             </a:fld>
             <a:endParaRPr lang="en-US"/>
           </a:p>
@@ -3276,7 +3396,7 @@
             <a:fld id="{1D8BD707-D9CF-40AE-B4C6-C98DA3205C09}" type="datetimeFigureOut">
               <a:rPr lang="en-US" smtClean="0"/>
               <a:pPr/>
-              <a:t>7/24/2014</a:t>
+              <a:t>8/1/2014</a:t>
             </a:fld>
             <a:endParaRPr lang="en-US"/>
           </a:p>
@@ -3467,7 +3587,7 @@
             <a:fld id="{1D8BD707-D9CF-40AE-B4C6-C98DA3205C09}" type="datetimeFigureOut">
               <a:rPr lang="en-US" smtClean="0"/>
               <a:pPr/>
-              <a:t>7/24/2014</a:t>
+              <a:t>8/1/2014</a:t>
             </a:fld>
             <a:endParaRPr lang="en-US"/>
           </a:p>
@@ -3787,7 +3907,7 @@
             <a:fld id="{1D8BD707-D9CF-40AE-B4C6-C98DA3205C09}" type="datetimeFigureOut">
               <a:rPr lang="en-US" smtClean="0"/>
               <a:pPr/>
-              <a:t>7/24/2014</a:t>
+              <a:t>8/1/2014</a:t>
             </a:fld>
             <a:endParaRPr lang="en-US"/>
           </a:p>
@@ -4169,7 +4289,7 @@
             <a:fld id="{1D8BD707-D9CF-40AE-B4C6-C98DA3205C09}" type="datetimeFigureOut">
               <a:rPr lang="en-US" smtClean="0"/>
               <a:pPr/>
-              <a:t>7/24/2014</a:t>
+              <a:t>8/1/2014</a:t>
             </a:fld>
             <a:endParaRPr lang="en-US"/>
           </a:p>
@@ -4540,13 +4660,13 @@
   <p:clrMapOvr>
     <a:masterClrMapping/>
   </p:clrMapOvr>
-  <mc:AlternateContent xmlns:mc="http://schemas.openxmlformats.org/markup-compatibility/2006">
-    <mc:Choice xmlns:p14="http://schemas.microsoft.com/office/powerpoint/2010/main" Requires="p14">
+  <mc:AlternateContent xmlns:mc="http://schemas.openxmlformats.org/markup-compatibility/2006" xmlns:p14="http://schemas.microsoft.com/office/powerpoint/2010/main">
+    <mc:Choice Requires="p14">
       <p:transition p14:dur="250">
         <p:fade/>
       </p:transition>
     </mc:Choice>
-    <mc:Fallback>
+    <mc:Fallback xmlns="">
       <p:transition>
         <p:fade/>
       </p:transition>
@@ -4631,13 +4751,13 @@
   <p:clrMapOvr>
     <a:masterClrMapping/>
   </p:clrMapOvr>
-  <mc:AlternateContent xmlns:mc="http://schemas.openxmlformats.org/markup-compatibility/2006">
-    <mc:Choice xmlns:p14="http://schemas.microsoft.com/office/powerpoint/2010/main" Requires="p14">
+  <mc:AlternateContent xmlns:mc="http://schemas.openxmlformats.org/markup-compatibility/2006" xmlns:p14="http://schemas.microsoft.com/office/powerpoint/2010/main">
+    <mc:Choice Requires="p14">
       <p:transition p14:dur="250">
         <p:fade/>
       </p:transition>
     </mc:Choice>
-    <mc:Fallback>
+    <mc:Fallback xmlns="">
       <p:transition>
         <p:fade/>
       </p:transition>
@@ -4722,13 +4842,13 @@
   <p:clrMapOvr>
     <a:masterClrMapping/>
   </p:clrMapOvr>
-  <mc:AlternateContent xmlns:mc="http://schemas.openxmlformats.org/markup-compatibility/2006">
-    <mc:Choice xmlns:p14="http://schemas.microsoft.com/office/powerpoint/2010/main" Requires="p14">
+  <mc:AlternateContent xmlns:mc="http://schemas.openxmlformats.org/markup-compatibility/2006" xmlns:p14="http://schemas.microsoft.com/office/powerpoint/2010/main">
+    <mc:Choice Requires="p14">
       <p:transition p14:dur="250">
         <p:fade/>
       </p:transition>
     </mc:Choice>
-    <mc:Fallback>
+    <mc:Fallback xmlns="">
       <p:transition>
         <p:fade/>
       </p:transition>
@@ -4813,13 +4933,13 @@
   <p:clrMapOvr>
     <a:masterClrMapping/>
   </p:clrMapOvr>
-  <mc:AlternateContent xmlns:mc="http://schemas.openxmlformats.org/markup-compatibility/2006">
-    <mc:Choice xmlns:p14="http://schemas.microsoft.com/office/powerpoint/2010/main" Requires="p14">
+  <mc:AlternateContent xmlns:mc="http://schemas.openxmlformats.org/markup-compatibility/2006" xmlns:p14="http://schemas.microsoft.com/office/powerpoint/2010/main">
+    <mc:Choice Requires="p14">
       <p:transition p14:dur="250">
         <p:fade/>
       </p:transition>
     </mc:Choice>
-    <mc:Fallback>
+    <mc:Fallback xmlns="">
       <p:transition>
         <p:fade/>
       </p:transition>
@@ -4904,13 +5024,13 @@
   <p:clrMapOvr>
     <a:masterClrMapping/>
   </p:clrMapOvr>
-  <mc:AlternateContent xmlns:mc="http://schemas.openxmlformats.org/markup-compatibility/2006">
-    <mc:Choice xmlns:p14="http://schemas.microsoft.com/office/powerpoint/2010/main" Requires="p14">
+  <mc:AlternateContent xmlns:mc="http://schemas.openxmlformats.org/markup-compatibility/2006" xmlns:p14="http://schemas.microsoft.com/office/powerpoint/2010/main">
+    <mc:Choice Requires="p14">
       <p:transition p14:dur="250">
         <p:fade/>
       </p:transition>
     </mc:Choice>
-    <mc:Fallback>
+    <mc:Fallback xmlns="">
       <p:transition>
         <p:fade/>
       </p:transition>
@@ -5017,13 +5137,13 @@
   <p:clrMapOvr>
     <a:masterClrMapping/>
   </p:clrMapOvr>
-  <mc:AlternateContent xmlns:mc="http://schemas.openxmlformats.org/markup-compatibility/2006">
-    <mc:Choice xmlns:p14="http://schemas.microsoft.com/office/powerpoint/2010/main" Requires="p14">
+  <mc:AlternateContent xmlns:mc="http://schemas.openxmlformats.org/markup-compatibility/2006" xmlns:p14="http://schemas.microsoft.com/office/powerpoint/2010/main">
+    <mc:Choice Requires="p14">
       <p:transition p14:dur="250">
         <p:fade/>
       </p:transition>
     </mc:Choice>
-    <mc:Fallback>
+    <mc:Fallback xmlns="">
       <p:transition>
         <p:fade/>
       </p:transition>
@@ -5230,7 +5350,6 @@
               <a:rPr lang="en-US" dirty="0" smtClean="0"/>
               <a:t>Streams</a:t>
             </a:r>
-            <a:endParaRPr lang="en-US" dirty="0" smtClean="0"/>
           </a:p>
           <a:p>
             <a:r>
@@ -5267,13 +5386,13 @@
   <p:clrMapOvr>
     <a:masterClrMapping/>
   </p:clrMapOvr>
-  <mc:AlternateContent xmlns:mc="http://schemas.openxmlformats.org/markup-compatibility/2006">
-    <mc:Choice xmlns:p14="http://schemas.microsoft.com/office/powerpoint/2010/main" Requires="p14">
+  <mc:AlternateContent xmlns:mc="http://schemas.openxmlformats.org/markup-compatibility/2006" xmlns:p14="http://schemas.microsoft.com/office/powerpoint/2010/main">
+    <mc:Choice Requires="p14">
       <p:transition p14:dur="250">
         <p:fade/>
       </p:transition>
     </mc:Choice>
-    <mc:Fallback>
+    <mc:Fallback xmlns="">
       <p:transition>
         <p:fade/>
       </p:transition>
@@ -5358,7 +5477,6 @@
               <a:rPr lang="en-US" dirty="0" smtClean="0"/>
               <a:t>scenarios</a:t>
             </a:r>
-            <a:endParaRPr lang="en-US" dirty="0" smtClean="0"/>
           </a:p>
           <a:p>
             <a:r>
@@ -5381,11 +5499,7 @@
           <a:p>
             <a:r>
               <a:rPr lang="en-US" dirty="0" smtClean="0"/>
-              <a:t>Have </a:t>
-            </a:r>
-            <a:r>
-              <a:rPr lang="en-US" dirty="0" smtClean="0"/>
-              <a:t>performance tradeoffs</a:t>
+              <a:t>Have performance tradeoffs</a:t>
             </a:r>
             <a:endParaRPr lang="en-US" dirty="0"/>
           </a:p>
@@ -5401,13 +5515,13 @@
   <p:clrMapOvr>
     <a:masterClrMapping/>
   </p:clrMapOvr>
-  <mc:AlternateContent xmlns:mc="http://schemas.openxmlformats.org/markup-compatibility/2006">
-    <mc:Choice xmlns:p14="http://schemas.microsoft.com/office/powerpoint/2010/main" Requires="p14">
+  <mc:AlternateContent xmlns:mc="http://schemas.openxmlformats.org/markup-compatibility/2006" xmlns:p14="http://schemas.microsoft.com/office/powerpoint/2010/main">
+    <mc:Choice Requires="p14">
       <p:transition p14:dur="250">
         <p:fade/>
       </p:transition>
     </mc:Choice>
-    <mc:Fallback>
+    <mc:Fallback xmlns="">
       <p:transition>
         <p:fade/>
       </p:transition>
@@ -5473,13 +5587,13 @@
   <p:clrMapOvr>
     <a:masterClrMapping/>
   </p:clrMapOvr>
-  <mc:AlternateContent xmlns:mc="http://schemas.openxmlformats.org/markup-compatibility/2006">
-    <mc:Choice xmlns:p14="http://schemas.microsoft.com/office/powerpoint/2010/main" Requires="p14">
+  <mc:AlternateContent xmlns:mc="http://schemas.openxmlformats.org/markup-compatibility/2006" xmlns:p14="http://schemas.microsoft.com/office/powerpoint/2010/main">
+    <mc:Choice Requires="p14">
       <p:transition p14:dur="250">
         <p:fade/>
       </p:transition>
     </mc:Choice>
-    <mc:Fallback>
+    <mc:Fallback xmlns="">
       <p:transition>
         <p:fade/>
       </p:transition>
@@ -5574,13 +5688,13 @@
   <p:clrMapOvr>
     <a:masterClrMapping/>
   </p:clrMapOvr>
-  <mc:AlternateContent xmlns:mc="http://schemas.openxmlformats.org/markup-compatibility/2006">
-    <mc:Choice xmlns:p14="http://schemas.microsoft.com/office/powerpoint/2010/main" Requires="p14">
+  <mc:AlternateContent xmlns:mc="http://schemas.openxmlformats.org/markup-compatibility/2006" xmlns:p14="http://schemas.microsoft.com/office/powerpoint/2010/main">
+    <mc:Choice Requires="p14">
       <p:transition p14:dur="250">
         <p:fade/>
       </p:transition>
     </mc:Choice>
-    <mc:Fallback>
+    <mc:Fallback xmlns="">
       <p:transition>
         <p:fade/>
       </p:transition>
@@ -5647,7 +5761,7 @@
           </p:nvPr>
         </p:nvPicPr>
         <p:blipFill>
-          <a:blip r:embed="rId2">
+          <a:blip r:embed="rId3">
             <a:extLst>
               <a:ext uri="{28A0092B-C50C-407E-A947-70E740481C1C}">
                 <a14:useLocalDpi xmlns:a14="http://schemas.microsoft.com/office/drawing/2010/main" val="0"/>
@@ -5675,13 +5789,13 @@
   <p:clrMapOvr>
     <a:masterClrMapping/>
   </p:clrMapOvr>
-  <mc:AlternateContent xmlns:mc="http://schemas.openxmlformats.org/markup-compatibility/2006">
-    <mc:Choice xmlns:p14="http://schemas.microsoft.com/office/powerpoint/2010/main" Requires="p14">
+  <mc:AlternateContent xmlns:mc="http://schemas.openxmlformats.org/markup-compatibility/2006" xmlns:p14="http://schemas.microsoft.com/office/powerpoint/2010/main">
+    <mc:Choice Requires="p14">
       <p:transition p14:dur="250">
         <p:fade/>
       </p:transition>
     </mc:Choice>
-    <mc:Fallback>
+    <mc:Fallback xmlns="">
       <p:transition>
         <p:fade/>
       </p:transition>
@@ -5766,13 +5880,13 @@
   <p:clrMapOvr>
     <a:masterClrMapping/>
   </p:clrMapOvr>
-  <mc:AlternateContent xmlns:mc="http://schemas.openxmlformats.org/markup-compatibility/2006">
-    <mc:Choice xmlns:p14="http://schemas.microsoft.com/office/powerpoint/2010/main" Requires="p14">
+  <mc:AlternateContent xmlns:mc="http://schemas.openxmlformats.org/markup-compatibility/2006" xmlns:p14="http://schemas.microsoft.com/office/powerpoint/2010/main">
+    <mc:Choice Requires="p14">
       <p:transition p14:dur="250">
         <p:fade/>
       </p:transition>
     </mc:Choice>
-    <mc:Fallback>
+    <mc:Fallback xmlns="">
       <p:transition>
         <p:fade/>
       </p:transition>
@@ -5930,13 +6044,13 @@
   <p:clrMapOvr>
     <a:masterClrMapping/>
   </p:clrMapOvr>
-  <mc:AlternateContent xmlns:mc="http://schemas.openxmlformats.org/markup-compatibility/2006">
-    <mc:Choice xmlns:p14="http://schemas.microsoft.com/office/powerpoint/2010/main" Requires="p14">
+  <mc:AlternateContent xmlns:mc="http://schemas.openxmlformats.org/markup-compatibility/2006" xmlns:p14="http://schemas.microsoft.com/office/powerpoint/2010/main">
+    <mc:Choice Requires="p14">
       <p:transition p14:dur="250">
         <p:fade/>
       </p:transition>
     </mc:Choice>
-    <mc:Fallback>
+    <mc:Fallback xmlns="">
       <p:transition>
         <p:fade/>
       </p:transition>
@@ -6037,13 +6151,13 @@
   <p:clrMapOvr>
     <a:masterClrMapping/>
   </p:clrMapOvr>
-  <mc:AlternateContent xmlns:mc="http://schemas.openxmlformats.org/markup-compatibility/2006">
-    <mc:Choice xmlns:p14="http://schemas.microsoft.com/office/powerpoint/2010/main" Requires="p14">
+  <mc:AlternateContent xmlns:mc="http://schemas.openxmlformats.org/markup-compatibility/2006" xmlns:p14="http://schemas.microsoft.com/office/powerpoint/2010/main">
+    <mc:Choice Requires="p14">
       <p:transition p14:dur="250">
         <p:fade/>
       </p:transition>
     </mc:Choice>
-    <mc:Fallback>
+    <mc:Fallback xmlns="">
       <p:transition>
         <p:fade/>
       </p:transition>
@@ -6128,13 +6242,13 @@
   <p:clrMapOvr>
     <a:masterClrMapping/>
   </p:clrMapOvr>
-  <mc:AlternateContent xmlns:mc="http://schemas.openxmlformats.org/markup-compatibility/2006">
-    <mc:Choice xmlns:p14="http://schemas.microsoft.com/office/powerpoint/2010/main" Requires="p14">
+  <mc:AlternateContent xmlns:mc="http://schemas.openxmlformats.org/markup-compatibility/2006" xmlns:p14="http://schemas.microsoft.com/office/powerpoint/2010/main">
+    <mc:Choice Requires="p14">
       <p:transition p14:dur="250">
         <p:fade/>
       </p:transition>
     </mc:Choice>
-    <mc:Fallback>
+    <mc:Fallback xmlns="">
       <p:transition>
         <p:fade/>
       </p:transition>
@@ -6219,13 +6333,13 @@
   <p:clrMapOvr>
     <a:masterClrMapping/>
   </p:clrMapOvr>
-  <mc:AlternateContent xmlns:mc="http://schemas.openxmlformats.org/markup-compatibility/2006">
-    <mc:Choice xmlns:p14="http://schemas.microsoft.com/office/powerpoint/2010/main" Requires="p14">
+  <mc:AlternateContent xmlns:mc="http://schemas.openxmlformats.org/markup-compatibility/2006" xmlns:p14="http://schemas.microsoft.com/office/powerpoint/2010/main">
+    <mc:Choice Requires="p14">
       <p:transition p14:dur="250">
         <p:fade/>
       </p:transition>
     </mc:Choice>
-    <mc:Fallback>
+    <mc:Fallback xmlns="">
       <p:transition>
         <p:fade/>
       </p:transition>
@@ -6310,13 +6424,13 @@
   <p:clrMapOvr>
     <a:masterClrMapping/>
   </p:clrMapOvr>
-  <mc:AlternateContent xmlns:mc="http://schemas.openxmlformats.org/markup-compatibility/2006">
-    <mc:Choice xmlns:p14="http://schemas.microsoft.com/office/powerpoint/2010/main" Requires="p14">
+  <mc:AlternateContent xmlns:mc="http://schemas.openxmlformats.org/markup-compatibility/2006" xmlns:p14="http://schemas.microsoft.com/office/powerpoint/2010/main">
+    <mc:Choice Requires="p14">
       <p:transition p14:dur="250">
         <p:fade/>
       </p:transition>
     </mc:Choice>
-    <mc:Fallback>
+    <mc:Fallback xmlns="">
       <p:transition>
         <p:fade/>
       </p:transition>
@@ -6401,13 +6515,13 @@
   <p:clrMapOvr>
     <a:masterClrMapping/>
   </p:clrMapOvr>
-  <mc:AlternateContent xmlns:mc="http://schemas.openxmlformats.org/markup-compatibility/2006">
-    <mc:Choice xmlns:p14="http://schemas.microsoft.com/office/powerpoint/2010/main" Requires="p14">
+  <mc:AlternateContent xmlns:mc="http://schemas.openxmlformats.org/markup-compatibility/2006" xmlns:p14="http://schemas.microsoft.com/office/powerpoint/2010/main">
+    <mc:Choice Requires="p14">
       <p:transition p14:dur="250">
         <p:fade/>
       </p:transition>
     </mc:Choice>
-    <mc:Fallback>
+    <mc:Fallback xmlns="">
       <p:transition>
         <p:fade/>
       </p:transition>
@@ -6492,13 +6606,13 @@
   <p:clrMapOvr>
     <a:masterClrMapping/>
   </p:clrMapOvr>
-  <mc:AlternateContent xmlns:mc="http://schemas.openxmlformats.org/markup-compatibility/2006">
-    <mc:Choice xmlns:p14="http://schemas.microsoft.com/office/powerpoint/2010/main" Requires="p14">
+  <mc:AlternateContent xmlns:mc="http://schemas.openxmlformats.org/markup-compatibility/2006" xmlns:p14="http://schemas.microsoft.com/office/powerpoint/2010/main">
+    <mc:Choice Requires="p14">
       <p:transition p14:dur="250">
         <p:fade/>
       </p:transition>
     </mc:Choice>
-    <mc:Fallback>
+    <mc:Fallback xmlns="">
       <p:transition>
         <p:fade/>
       </p:transition>
@@ -6583,13 +6697,13 @@
   <p:clrMapOvr>
     <a:masterClrMapping/>
   </p:clrMapOvr>
-  <mc:AlternateContent xmlns:mc="http://schemas.openxmlformats.org/markup-compatibility/2006">
-    <mc:Choice xmlns:p14="http://schemas.microsoft.com/office/powerpoint/2010/main" Requires="p14">
+  <mc:AlternateContent xmlns:mc="http://schemas.openxmlformats.org/markup-compatibility/2006" xmlns:p14="http://schemas.microsoft.com/office/powerpoint/2010/main">
+    <mc:Choice Requires="p14">
       <p:transition p14:dur="250">
         <p:fade/>
       </p:transition>
     </mc:Choice>
-    <mc:Fallback>
+    <mc:Fallback xmlns="">
       <p:transition>
         <p:fade/>
       </p:transition>
@@ -6674,13 +6788,13 @@
   <p:clrMapOvr>
     <a:masterClrMapping/>
   </p:clrMapOvr>
-  <mc:AlternateContent xmlns:mc="http://schemas.openxmlformats.org/markup-compatibility/2006">
-    <mc:Choice xmlns:p14="http://schemas.microsoft.com/office/powerpoint/2010/main" Requires="p14">
+  <mc:AlternateContent xmlns:mc="http://schemas.openxmlformats.org/markup-compatibility/2006" xmlns:p14="http://schemas.microsoft.com/office/powerpoint/2010/main">
+    <mc:Choice Requires="p14">
       <p:transition p14:dur="250">
         <p:fade/>
       </p:transition>
     </mc:Choice>
-    <mc:Fallback>
+    <mc:Fallback xmlns="">
       <p:transition>
         <p:fade/>
       </p:transition>

--- a/slides/Immutability.pptx
+++ b/slides/Immutability.pptx
@@ -552,8 +552,13 @@
             </a:r>
             <a:r>
               <a:rPr lang="en-US" baseline="0" dirty="0" smtClean="0"/>
-              <a:t>, etc. I wanted to present on one of the basic tenants of functional programming because I think that will help us better understand some of the functional concepts we’ve seen in those presentations.  So today I want to discuss Immutability, but not just the kind of immutability we’re already familiar with.  First, let’s quickly review what immutability is. (NEXT SLIDE)</a:t>
-            </a:r>
+              <a:t>, etc. I wanted to present on one of the basic tenants of functional programming because I think that will help us better understand some of the functional concepts we’ve seen in those presentations.  So today I want to discuss Immutability, but not just the kind of immutability we’re already familiar with.  First, let’s quickly review what immutability is. (NEXT SLIDE</a:t>
+            </a:r>
+            <a:r>
+              <a:rPr lang="en-US" baseline="0" dirty="0" smtClean="0"/>
+              <a:t>)</a:t>
+            </a:r>
+            <a:endParaRPr lang="en-US" baseline="0" dirty="0" smtClean="0"/>
           </a:p>
         </p:txBody>
       </p:sp>
@@ -864,15 +869,7 @@
             </a:r>
             <a:r>
               <a:rPr lang="en-US" baseline="0" dirty="0" smtClean="0"/>
-              <a:t>: the collection can still be added to and removed from, </a:t>
-            </a:r>
-            <a:r>
-              <a:rPr lang="en-US" baseline="0" smtClean="0"/>
-              <a:t>but doing </a:t>
-            </a:r>
-            <a:r>
-              <a:rPr lang="en-US" baseline="0" dirty="0" smtClean="0"/>
-              <a:t>so will create a new instance.  The original collection that you reference doesn’t change, and instead you’ll get back a reference to a new collection containing your changes.</a:t>
+              <a:t>: the collection can still be added to and removed from, but doing so will create a new instance.  The original collection that you reference doesn’t change, and instead you’ll get back a reference to a new collection containing your changes.</a:t>
             </a:r>
           </a:p>
           <a:p>
@@ -990,7 +987,15 @@
             </a:r>
             <a:r>
               <a:rPr lang="en-US" baseline="0" dirty="0" smtClean="0"/>
-              <a:t> get an idea of how it might work.  When I first thought about how an immutable collection might be implemented I thought about a list every time it needs to change. (DEMO </a:t>
+              <a:t> get an idea of how it might work.  When I first thought about how an immutable collection might be implemented I thought about </a:t>
+            </a:r>
+            <a:r>
+              <a:rPr lang="en-US" baseline="0" dirty="0" smtClean="0"/>
+              <a:t>copying a </a:t>
+            </a:r>
+            <a:r>
+              <a:rPr lang="en-US" baseline="0" dirty="0" smtClean="0"/>
+              <a:t>list every time it needs to change. (DEMO </a:t>
             </a:r>
             <a:r>
               <a:rPr lang="en-US" baseline="0" dirty="0" err="1" smtClean="0"/>
@@ -998,7 +1003,15 @@
             </a:r>
             <a:r>
               <a:rPr lang="en-US" baseline="0" dirty="0" smtClean="0"/>
-              <a:t>)  This is a really inefficient way to get immutability, and if we were stuck with these we’d quickly run into performance issues.  Imagine adding a lot of elements to this list, and having to clone it for every single add.  (Ask questions about the Big O of adding, removing, getting the count, and looking up the element at a specific location).</a:t>
+              <a:t>)  This is a really inefficient way to get immutability, and if we were stuck with </a:t>
+            </a:r>
+            <a:r>
+              <a:rPr lang="en-US" baseline="0" dirty="0" smtClean="0"/>
+              <a:t>this </a:t>
+            </a:r>
+            <a:r>
+              <a:rPr lang="en-US" baseline="0" dirty="0" smtClean="0"/>
+              <a:t>we’d quickly run into performance issues.  Imagine adding a lot of elements to this list, and having to clone it for every single add.  (Ask questions about the Big O of adding, removing, getting the count, and looking up the element at a specific location).</a:t>
             </a:r>
           </a:p>
           <a:p>
@@ -1230,11 +1243,7 @@
             </a:r>
             <a:r>
               <a:rPr lang="en-US" baseline="0" dirty="0" smtClean="0"/>
-              <a:t> package that contains immutable collections that follow this approach. </a:t>
-            </a:r>
-            <a:r>
-              <a:rPr lang="en-US" baseline="0" smtClean="0"/>
-              <a:t>(NEXT SLIDE)</a:t>
+              <a:t> package that contains immutable collections that follow this approach. (NEXT SLIDE)</a:t>
             </a:r>
             <a:endParaRPr lang="en-US" dirty="0"/>
           </a:p>
@@ -1458,11 +1467,38 @@
           <a:p>
             <a:r>
               <a:rPr lang="en-US" dirty="0" smtClean="0"/>
-              <a:t>- Let’s try </a:t>
-            </a:r>
+              <a:t>- As we discussed</a:t>
+            </a:r>
+            <a:r>
+              <a:rPr lang="en-US" baseline="0" dirty="0" smtClean="0"/>
+              <a:t> with the naïve example and the </a:t>
+            </a:r>
+            <a:r>
+              <a:rPr lang="en-US" baseline="0" dirty="0" err="1" smtClean="0"/>
+              <a:t>FunctionalList</a:t>
+            </a:r>
+            <a:r>
+              <a:rPr lang="en-US" baseline="0" dirty="0" smtClean="0"/>
+              <a:t>, there are performance tradeoffs when using immutable collections, and the same applies to the immutable collections library.  For example, this table shows the performance of adding to each type of collection.  This is something to consider when deciding what type of collection to use.</a:t>
+            </a:r>
+            <a:endParaRPr lang="en-US" dirty="0" smtClean="0"/>
+          </a:p>
+          <a:p>
             <a:r>
               <a:rPr lang="en-US" dirty="0" smtClean="0"/>
-              <a:t>creating an</a:t>
+              <a:t>- Now</a:t>
+            </a:r>
+            <a:r>
+              <a:rPr lang="en-US" baseline="0" dirty="0" smtClean="0"/>
+              <a:t> for an example of the immutable collections library in action, l</a:t>
+            </a:r>
+            <a:r>
+              <a:rPr lang="en-US" dirty="0" smtClean="0"/>
+              <a:t>et’s </a:t>
+            </a:r>
+            <a:r>
+              <a:rPr lang="en-US" dirty="0" smtClean="0"/>
+              <a:t>try creating an</a:t>
             </a:r>
             <a:r>
               <a:rPr lang="en-US" baseline="0" dirty="0" smtClean="0"/>
@@ -5577,6 +5613,93 @@
           </a:p>
         </p:txBody>
       </p:sp>
+      <p:sp>
+        <p:nvSpPr>
+          <p:cNvPr id="3" name="Content Placeholder 2"/>
+          <p:cNvSpPr>
+            <a:spLocks noGrp="1"/>
+          </p:cNvSpPr>
+          <p:nvPr>
+            <p:ph idx="1"/>
+          </p:nvPr>
+        </p:nvSpPr>
+        <p:spPr/>
+        <p:txBody>
+          <a:bodyPr/>
+          <a:lstStyle/>
+          <a:p>
+            <a:r>
+              <a:rPr lang="en-US" dirty="0" err="1" smtClean="0"/>
+              <a:t>SlowImmutableList</a:t>
+            </a:r>
+            <a:endParaRPr lang="en-US" dirty="0" smtClean="0"/>
+          </a:p>
+          <a:p>
+            <a:pPr lvl="1"/>
+            <a:r>
+              <a:rPr lang="en-US" dirty="0" smtClean="0"/>
+              <a:t>Add: O(n)</a:t>
+            </a:r>
+          </a:p>
+          <a:p>
+            <a:pPr lvl="1"/>
+            <a:r>
+              <a:rPr lang="en-US" dirty="0" smtClean="0"/>
+              <a:t>Remove: O(n)</a:t>
+            </a:r>
+          </a:p>
+          <a:p>
+            <a:pPr lvl="1"/>
+            <a:r>
+              <a:rPr lang="en-US" dirty="0" smtClean="0"/>
+              <a:t>Count: O(1)</a:t>
+            </a:r>
+          </a:p>
+          <a:p>
+            <a:pPr lvl="1"/>
+            <a:r>
+              <a:rPr lang="en-US" dirty="0" smtClean="0"/>
+              <a:t>Index: O(1)</a:t>
+            </a:r>
+          </a:p>
+          <a:p>
+            <a:r>
+              <a:rPr lang="en-US" dirty="0" err="1" smtClean="0"/>
+              <a:t>FunctionalList</a:t>
+            </a:r>
+            <a:endParaRPr lang="en-US" dirty="0" smtClean="0"/>
+          </a:p>
+          <a:p>
+            <a:pPr lvl="1"/>
+            <a:r>
+              <a:rPr lang="en-US" dirty="0" smtClean="0"/>
+              <a:t>Add: O(1)</a:t>
+            </a:r>
+          </a:p>
+          <a:p>
+            <a:pPr lvl="1"/>
+            <a:r>
+              <a:rPr lang="en-US" dirty="0" smtClean="0"/>
+              <a:t>Remove: O(n)</a:t>
+            </a:r>
+          </a:p>
+          <a:p>
+            <a:pPr lvl="1"/>
+            <a:r>
+              <a:rPr lang="en-US" dirty="0" smtClean="0"/>
+              <a:t>Count: O(n)</a:t>
+            </a:r>
+          </a:p>
+          <a:p>
+            <a:pPr lvl="1"/>
+            <a:r>
+              <a:rPr lang="en-US" dirty="0" smtClean="0"/>
+              <a:t>Index: O(n)</a:t>
+            </a:r>
+            <a:endParaRPr lang="en-US" dirty="0"/>
+          </a:p>
+        </p:txBody>
+      </p:sp>
     </p:spTree>
     <p:extLst>
       <p:ext uri="{BB962C8B-B14F-4D97-AF65-F5344CB8AC3E}">
@@ -5602,9 +5725,501 @@
   <p:timing>
     <p:tnLst>
       <p:par>
-        <p:cTn id="1" dur="indefinite" restart="never" nodeType="tmRoot"/>
+        <p:cTn id="1" dur="indefinite" restart="never" nodeType="tmRoot">
+          <p:childTnLst>
+            <p:seq concurrent="1" nextAc="seek">
+              <p:cTn id="2" dur="indefinite" nodeType="mainSeq">
+                <p:childTnLst>
+                  <p:par>
+                    <p:cTn id="3" fill="hold">
+                      <p:stCondLst>
+                        <p:cond delay="indefinite"/>
+                      </p:stCondLst>
+                      <p:childTnLst>
+                        <p:par>
+                          <p:cTn id="4" fill="hold">
+                            <p:stCondLst>
+                              <p:cond delay="0"/>
+                            </p:stCondLst>
+                            <p:childTnLst>
+                              <p:par>
+                                <p:cTn id="5" presetID="10" presetClass="entr" presetSubtype="0" fill="hold" grpId="0" nodeType="clickEffect">
+                                  <p:stCondLst>
+                                    <p:cond delay="0"/>
+                                  </p:stCondLst>
+                                  <p:childTnLst>
+                                    <p:set>
+                                      <p:cBhvr>
+                                        <p:cTn id="6" dur="1" fill="hold">
+                                          <p:stCondLst>
+                                            <p:cond delay="0"/>
+                                          </p:stCondLst>
+                                        </p:cTn>
+                                        <p:tgtEl>
+                                          <p:spTgt spid="3">
+                                            <p:txEl>
+                                              <p:pRg st="0" end="0"/>
+                                            </p:txEl>
+                                          </p:spTgt>
+                                        </p:tgtEl>
+                                        <p:attrNameLst>
+                                          <p:attrName>style.visibility</p:attrName>
+                                        </p:attrNameLst>
+                                      </p:cBhvr>
+                                      <p:to>
+                                        <p:strVal val="visible"/>
+                                      </p:to>
+                                    </p:set>
+                                    <p:animEffect transition="in" filter="fade">
+                                      <p:cBhvr>
+                                        <p:cTn id="7" dur="500"/>
+                                        <p:tgtEl>
+                                          <p:spTgt spid="3">
+                                            <p:txEl>
+                                              <p:pRg st="0" end="0"/>
+                                            </p:txEl>
+                                          </p:spTgt>
+                                        </p:tgtEl>
+                                      </p:cBhvr>
+                                    </p:animEffect>
+                                  </p:childTnLst>
+                                </p:cTn>
+                              </p:par>
+                              <p:par>
+                                <p:cTn id="8" presetID="10" presetClass="entr" presetSubtype="0" fill="hold" grpId="0" nodeType="withEffect">
+                                  <p:stCondLst>
+                                    <p:cond delay="0"/>
+                                  </p:stCondLst>
+                                  <p:childTnLst>
+                                    <p:set>
+                                      <p:cBhvr>
+                                        <p:cTn id="9" dur="1" fill="hold">
+                                          <p:stCondLst>
+                                            <p:cond delay="0"/>
+                                          </p:stCondLst>
+                                        </p:cTn>
+                                        <p:tgtEl>
+                                          <p:spTgt spid="3">
+                                            <p:txEl>
+                                              <p:pRg st="1" end="1"/>
+                                            </p:txEl>
+                                          </p:spTgt>
+                                        </p:tgtEl>
+                                        <p:attrNameLst>
+                                          <p:attrName>style.visibility</p:attrName>
+                                        </p:attrNameLst>
+                                      </p:cBhvr>
+                                      <p:to>
+                                        <p:strVal val="visible"/>
+                                      </p:to>
+                                    </p:set>
+                                    <p:animEffect transition="in" filter="fade">
+                                      <p:cBhvr>
+                                        <p:cTn id="10" dur="500"/>
+                                        <p:tgtEl>
+                                          <p:spTgt spid="3">
+                                            <p:txEl>
+                                              <p:pRg st="1" end="1"/>
+                                            </p:txEl>
+                                          </p:spTgt>
+                                        </p:tgtEl>
+                                      </p:cBhvr>
+                                    </p:animEffect>
+                                  </p:childTnLst>
+                                </p:cTn>
+                              </p:par>
+                              <p:par>
+                                <p:cTn id="11" presetID="10" presetClass="entr" presetSubtype="0" fill="hold" grpId="0" nodeType="withEffect">
+                                  <p:stCondLst>
+                                    <p:cond delay="0"/>
+                                  </p:stCondLst>
+                                  <p:childTnLst>
+                                    <p:set>
+                                      <p:cBhvr>
+                                        <p:cTn id="12" dur="1" fill="hold">
+                                          <p:stCondLst>
+                                            <p:cond delay="0"/>
+                                          </p:stCondLst>
+                                        </p:cTn>
+                                        <p:tgtEl>
+                                          <p:spTgt spid="3">
+                                            <p:txEl>
+                                              <p:pRg st="2" end="2"/>
+                                            </p:txEl>
+                                          </p:spTgt>
+                                        </p:tgtEl>
+                                        <p:attrNameLst>
+                                          <p:attrName>style.visibility</p:attrName>
+                                        </p:attrNameLst>
+                                      </p:cBhvr>
+                                      <p:to>
+                                        <p:strVal val="visible"/>
+                                      </p:to>
+                                    </p:set>
+                                    <p:animEffect transition="in" filter="fade">
+                                      <p:cBhvr>
+                                        <p:cTn id="13" dur="500"/>
+                                        <p:tgtEl>
+                                          <p:spTgt spid="3">
+                                            <p:txEl>
+                                              <p:pRg st="2" end="2"/>
+                                            </p:txEl>
+                                          </p:spTgt>
+                                        </p:tgtEl>
+                                      </p:cBhvr>
+                                    </p:animEffect>
+                                  </p:childTnLst>
+                                </p:cTn>
+                              </p:par>
+                              <p:par>
+                                <p:cTn id="14" presetID="10" presetClass="entr" presetSubtype="0" fill="hold" grpId="0" nodeType="withEffect">
+                                  <p:stCondLst>
+                                    <p:cond delay="0"/>
+                                  </p:stCondLst>
+                                  <p:childTnLst>
+                                    <p:set>
+                                      <p:cBhvr>
+                                        <p:cTn id="15" dur="1" fill="hold">
+                                          <p:stCondLst>
+                                            <p:cond delay="0"/>
+                                          </p:stCondLst>
+                                        </p:cTn>
+                                        <p:tgtEl>
+                                          <p:spTgt spid="3">
+                                            <p:txEl>
+                                              <p:pRg st="3" end="3"/>
+                                            </p:txEl>
+                                          </p:spTgt>
+                                        </p:tgtEl>
+                                        <p:attrNameLst>
+                                          <p:attrName>style.visibility</p:attrName>
+                                        </p:attrNameLst>
+                                      </p:cBhvr>
+                                      <p:to>
+                                        <p:strVal val="visible"/>
+                                      </p:to>
+                                    </p:set>
+                                    <p:animEffect transition="in" filter="fade">
+                                      <p:cBhvr>
+                                        <p:cTn id="16" dur="500"/>
+                                        <p:tgtEl>
+                                          <p:spTgt spid="3">
+                                            <p:txEl>
+                                              <p:pRg st="3" end="3"/>
+                                            </p:txEl>
+                                          </p:spTgt>
+                                        </p:tgtEl>
+                                      </p:cBhvr>
+                                    </p:animEffect>
+                                  </p:childTnLst>
+                                </p:cTn>
+                              </p:par>
+                              <p:par>
+                                <p:cTn id="17" presetID="10" presetClass="entr" presetSubtype="0" fill="hold" grpId="0" nodeType="withEffect">
+                                  <p:stCondLst>
+                                    <p:cond delay="0"/>
+                                  </p:stCondLst>
+                                  <p:childTnLst>
+                                    <p:set>
+                                      <p:cBhvr>
+                                        <p:cTn id="18" dur="1" fill="hold">
+                                          <p:stCondLst>
+                                            <p:cond delay="0"/>
+                                          </p:stCondLst>
+                                        </p:cTn>
+                                        <p:tgtEl>
+                                          <p:spTgt spid="3">
+                                            <p:txEl>
+                                              <p:pRg st="4" end="4"/>
+                                            </p:txEl>
+                                          </p:spTgt>
+                                        </p:tgtEl>
+                                        <p:attrNameLst>
+                                          <p:attrName>style.visibility</p:attrName>
+                                        </p:attrNameLst>
+                                      </p:cBhvr>
+                                      <p:to>
+                                        <p:strVal val="visible"/>
+                                      </p:to>
+                                    </p:set>
+                                    <p:animEffect transition="in" filter="fade">
+                                      <p:cBhvr>
+                                        <p:cTn id="19" dur="500"/>
+                                        <p:tgtEl>
+                                          <p:spTgt spid="3">
+                                            <p:txEl>
+                                              <p:pRg st="4" end="4"/>
+                                            </p:txEl>
+                                          </p:spTgt>
+                                        </p:tgtEl>
+                                      </p:cBhvr>
+                                    </p:animEffect>
+                                  </p:childTnLst>
+                                </p:cTn>
+                              </p:par>
+                            </p:childTnLst>
+                          </p:cTn>
+                        </p:par>
+                      </p:childTnLst>
+                    </p:cTn>
+                  </p:par>
+                  <p:par>
+                    <p:cTn id="20" fill="hold">
+                      <p:stCondLst>
+                        <p:cond delay="indefinite"/>
+                      </p:stCondLst>
+                      <p:childTnLst>
+                        <p:par>
+                          <p:cTn id="21" fill="hold">
+                            <p:stCondLst>
+                              <p:cond delay="0"/>
+                            </p:stCondLst>
+                            <p:childTnLst>
+                              <p:par>
+                                <p:cTn id="22" presetID="10" presetClass="entr" presetSubtype="0" fill="hold" grpId="0" nodeType="clickEffect">
+                                  <p:stCondLst>
+                                    <p:cond delay="0"/>
+                                  </p:stCondLst>
+                                  <p:childTnLst>
+                                    <p:set>
+                                      <p:cBhvr>
+                                        <p:cTn id="23" dur="1" fill="hold">
+                                          <p:stCondLst>
+                                            <p:cond delay="0"/>
+                                          </p:stCondLst>
+                                        </p:cTn>
+                                        <p:tgtEl>
+                                          <p:spTgt spid="3">
+                                            <p:txEl>
+                                              <p:pRg st="5" end="5"/>
+                                            </p:txEl>
+                                          </p:spTgt>
+                                        </p:tgtEl>
+                                        <p:attrNameLst>
+                                          <p:attrName>style.visibility</p:attrName>
+                                        </p:attrNameLst>
+                                      </p:cBhvr>
+                                      <p:to>
+                                        <p:strVal val="visible"/>
+                                      </p:to>
+                                    </p:set>
+                                    <p:animEffect transition="in" filter="fade">
+                                      <p:cBhvr>
+                                        <p:cTn id="24" dur="500"/>
+                                        <p:tgtEl>
+                                          <p:spTgt spid="3">
+                                            <p:txEl>
+                                              <p:pRg st="5" end="5"/>
+                                            </p:txEl>
+                                          </p:spTgt>
+                                        </p:tgtEl>
+                                      </p:cBhvr>
+                                    </p:animEffect>
+                                  </p:childTnLst>
+                                </p:cTn>
+                              </p:par>
+                              <p:par>
+                                <p:cTn id="25" presetID="10" presetClass="entr" presetSubtype="0" fill="hold" grpId="0" nodeType="withEffect">
+                                  <p:stCondLst>
+                                    <p:cond delay="0"/>
+                                  </p:stCondLst>
+                                  <p:childTnLst>
+                                    <p:set>
+                                      <p:cBhvr>
+                                        <p:cTn id="26" dur="1" fill="hold">
+                                          <p:stCondLst>
+                                            <p:cond delay="0"/>
+                                          </p:stCondLst>
+                                        </p:cTn>
+                                        <p:tgtEl>
+                                          <p:spTgt spid="3">
+                                            <p:txEl>
+                                              <p:pRg st="6" end="6"/>
+                                            </p:txEl>
+                                          </p:spTgt>
+                                        </p:tgtEl>
+                                        <p:attrNameLst>
+                                          <p:attrName>style.visibility</p:attrName>
+                                        </p:attrNameLst>
+                                      </p:cBhvr>
+                                      <p:to>
+                                        <p:strVal val="visible"/>
+                                      </p:to>
+                                    </p:set>
+                                    <p:animEffect transition="in" filter="fade">
+                                      <p:cBhvr>
+                                        <p:cTn id="27" dur="500"/>
+                                        <p:tgtEl>
+                                          <p:spTgt spid="3">
+                                            <p:txEl>
+                                              <p:pRg st="6" end="6"/>
+                                            </p:txEl>
+                                          </p:spTgt>
+                                        </p:tgtEl>
+                                      </p:cBhvr>
+                                    </p:animEffect>
+                                  </p:childTnLst>
+                                </p:cTn>
+                              </p:par>
+                              <p:par>
+                                <p:cTn id="28" presetID="10" presetClass="entr" presetSubtype="0" fill="hold" grpId="0" nodeType="withEffect">
+                                  <p:stCondLst>
+                                    <p:cond delay="0"/>
+                                  </p:stCondLst>
+                                  <p:childTnLst>
+                                    <p:set>
+                                      <p:cBhvr>
+                                        <p:cTn id="29" dur="1" fill="hold">
+                                          <p:stCondLst>
+                                            <p:cond delay="0"/>
+                                          </p:stCondLst>
+                                        </p:cTn>
+                                        <p:tgtEl>
+                                          <p:spTgt spid="3">
+                                            <p:txEl>
+                                              <p:pRg st="7" end="7"/>
+                                            </p:txEl>
+                                          </p:spTgt>
+                                        </p:tgtEl>
+                                        <p:attrNameLst>
+                                          <p:attrName>style.visibility</p:attrName>
+                                        </p:attrNameLst>
+                                      </p:cBhvr>
+                                      <p:to>
+                                        <p:strVal val="visible"/>
+                                      </p:to>
+                                    </p:set>
+                                    <p:animEffect transition="in" filter="fade">
+                                      <p:cBhvr>
+                                        <p:cTn id="30" dur="500"/>
+                                        <p:tgtEl>
+                                          <p:spTgt spid="3">
+                                            <p:txEl>
+                                              <p:pRg st="7" end="7"/>
+                                            </p:txEl>
+                                          </p:spTgt>
+                                        </p:tgtEl>
+                                      </p:cBhvr>
+                                    </p:animEffect>
+                                  </p:childTnLst>
+                                </p:cTn>
+                              </p:par>
+                              <p:par>
+                                <p:cTn id="31" presetID="10" presetClass="entr" presetSubtype="0" fill="hold" grpId="0" nodeType="withEffect">
+                                  <p:stCondLst>
+                                    <p:cond delay="0"/>
+                                  </p:stCondLst>
+                                  <p:childTnLst>
+                                    <p:set>
+                                      <p:cBhvr>
+                                        <p:cTn id="32" dur="1" fill="hold">
+                                          <p:stCondLst>
+                                            <p:cond delay="0"/>
+                                          </p:stCondLst>
+                                        </p:cTn>
+                                        <p:tgtEl>
+                                          <p:spTgt spid="3">
+                                            <p:txEl>
+                                              <p:pRg st="8" end="8"/>
+                                            </p:txEl>
+                                          </p:spTgt>
+                                        </p:tgtEl>
+                                        <p:attrNameLst>
+                                          <p:attrName>style.visibility</p:attrName>
+                                        </p:attrNameLst>
+                                      </p:cBhvr>
+                                      <p:to>
+                                        <p:strVal val="visible"/>
+                                      </p:to>
+                                    </p:set>
+                                    <p:animEffect transition="in" filter="fade">
+                                      <p:cBhvr>
+                                        <p:cTn id="33" dur="500"/>
+                                        <p:tgtEl>
+                                          <p:spTgt spid="3">
+                                            <p:txEl>
+                                              <p:pRg st="8" end="8"/>
+                                            </p:txEl>
+                                          </p:spTgt>
+                                        </p:tgtEl>
+                                      </p:cBhvr>
+                                    </p:animEffect>
+                                  </p:childTnLst>
+                                </p:cTn>
+                              </p:par>
+                              <p:par>
+                                <p:cTn id="34" presetID="10" presetClass="entr" presetSubtype="0" fill="hold" grpId="0" nodeType="withEffect">
+                                  <p:stCondLst>
+                                    <p:cond delay="0"/>
+                                  </p:stCondLst>
+                                  <p:childTnLst>
+                                    <p:set>
+                                      <p:cBhvr>
+                                        <p:cTn id="35" dur="1" fill="hold">
+                                          <p:stCondLst>
+                                            <p:cond delay="0"/>
+                                          </p:stCondLst>
+                                        </p:cTn>
+                                        <p:tgtEl>
+                                          <p:spTgt spid="3">
+                                            <p:txEl>
+                                              <p:pRg st="9" end="9"/>
+                                            </p:txEl>
+                                          </p:spTgt>
+                                        </p:tgtEl>
+                                        <p:attrNameLst>
+                                          <p:attrName>style.visibility</p:attrName>
+                                        </p:attrNameLst>
+                                      </p:cBhvr>
+                                      <p:to>
+                                        <p:strVal val="visible"/>
+                                      </p:to>
+                                    </p:set>
+                                    <p:animEffect transition="in" filter="fade">
+                                      <p:cBhvr>
+                                        <p:cTn id="36" dur="500"/>
+                                        <p:tgtEl>
+                                          <p:spTgt spid="3">
+                                            <p:txEl>
+                                              <p:pRg st="9" end="9"/>
+                                            </p:txEl>
+                                          </p:spTgt>
+                                        </p:tgtEl>
+                                      </p:cBhvr>
+                                    </p:animEffect>
+                                  </p:childTnLst>
+                                </p:cTn>
+                              </p:par>
+                            </p:childTnLst>
+                          </p:cTn>
+                        </p:par>
+                      </p:childTnLst>
+                    </p:cTn>
+                  </p:par>
+                </p:childTnLst>
+              </p:cTn>
+              <p:prevCondLst>
+                <p:cond evt="onPrev" delay="0">
+                  <p:tgtEl>
+                    <p:sldTgt/>
+                  </p:tgtEl>
+                </p:cond>
+              </p:prevCondLst>
+              <p:nextCondLst>
+                <p:cond evt="onNext" delay="0">
+                  <p:tgtEl>
+                    <p:sldTgt/>
+                  </p:tgtEl>
+                </p:cond>
+              </p:nextCondLst>
+            </p:seq>
+          </p:childTnLst>
+        </p:cTn>
       </p:par>
     </p:tnLst>
+    <p:bldLst>
+      <p:bldP spid="3" grpId="0" build="p"/>
+    </p:bldLst>
   </p:timing>
 </p:sld>
 </file>
